--- a/slides/16-while-loops.pptx
+++ b/slides/16-while-loops.pptx
@@ -236,7 +236,7 @@
           <a:p>
             <a:fld id="{3CBB8A52-8AC5-C74C-97FB-632C448F3674}" type="datetimeFigureOut">
               <a:rPr lang="en-US" smtClean="0"/>
-              <a:t>2/20/24</a:t>
+              <a:t>7/11/24</a:t>
             </a:fld>
             <a:endParaRPr lang="en-US"/>
           </a:p>
@@ -920,7 +920,7 @@
             <a:fld id="{5586B75A-687E-405C-8A0B-8D00578BA2C3}" type="datetimeFigureOut">
               <a:rPr lang="en-US" smtClean="0"/>
               <a:pPr/>
-              <a:t>2/20/24</a:t>
+              <a:t>7/11/24</a:t>
             </a:fld>
             <a:endParaRPr lang="en-US" dirty="0"/>
           </a:p>
@@ -1092,7 +1092,7 @@
             <a:fld id="{5586B75A-687E-405C-8A0B-8D00578BA2C3}" type="datetimeFigureOut">
               <a:rPr lang="en-US" smtClean="0"/>
               <a:pPr/>
-              <a:t>2/20/24</a:t>
+              <a:t>7/11/24</a:t>
             </a:fld>
             <a:endParaRPr lang="en-US" dirty="0"/>
           </a:p>
@@ -1274,7 +1274,7 @@
             <a:fld id="{5586B75A-687E-405C-8A0B-8D00578BA2C3}" type="datetimeFigureOut">
               <a:rPr lang="en-US" smtClean="0"/>
               <a:pPr/>
-              <a:t>2/20/24</a:t>
+              <a:t>7/11/24</a:t>
             </a:fld>
             <a:endParaRPr lang="en-US" dirty="0"/>
           </a:p>
@@ -1446,7 +1446,7 @@
             <a:fld id="{5586B75A-687E-405C-8A0B-8D00578BA2C3}" type="datetimeFigureOut">
               <a:rPr lang="en-US" smtClean="0"/>
               <a:pPr/>
-              <a:t>2/20/24</a:t>
+              <a:t>7/11/24</a:t>
             </a:fld>
             <a:endParaRPr lang="en-US" dirty="0"/>
           </a:p>
@@ -1702,7 +1702,7 @@
             <a:fld id="{5586B75A-687E-405C-8A0B-8D00578BA2C3}" type="datetimeFigureOut">
               <a:rPr lang="en-US" smtClean="0"/>
               <a:pPr/>
-              <a:t>2/20/24</a:t>
+              <a:t>7/11/24</a:t>
             </a:fld>
             <a:endParaRPr lang="en-US" dirty="0"/>
           </a:p>
@@ -1992,7 +1992,7 @@
             <a:fld id="{5586B75A-687E-405C-8A0B-8D00578BA2C3}" type="datetimeFigureOut">
               <a:rPr lang="en-US" smtClean="0"/>
               <a:pPr/>
-              <a:t>2/20/24</a:t>
+              <a:t>7/11/24</a:t>
             </a:fld>
             <a:endParaRPr lang="en-US" dirty="0"/>
           </a:p>
@@ -2436,7 +2436,7 @@
             <a:fld id="{5586B75A-687E-405C-8A0B-8D00578BA2C3}" type="datetimeFigureOut">
               <a:rPr lang="en-US" smtClean="0"/>
               <a:pPr/>
-              <a:t>2/20/24</a:t>
+              <a:t>7/11/24</a:t>
             </a:fld>
             <a:endParaRPr lang="en-US" dirty="0"/>
           </a:p>
@@ -2556,7 +2556,7 @@
             <a:fld id="{5586B75A-687E-405C-8A0B-8D00578BA2C3}" type="datetimeFigureOut">
               <a:rPr lang="en-US" smtClean="0"/>
               <a:pPr/>
-              <a:t>2/20/24</a:t>
+              <a:t>7/11/24</a:t>
             </a:fld>
             <a:endParaRPr lang="en-US" dirty="0"/>
           </a:p>
@@ -2653,7 +2653,7 @@
             <a:fld id="{5586B75A-687E-405C-8A0B-8D00578BA2C3}" type="datetimeFigureOut">
               <a:rPr lang="en-US" smtClean="0"/>
               <a:pPr/>
-              <a:t>2/20/24</a:t>
+              <a:t>7/11/24</a:t>
             </a:fld>
             <a:endParaRPr lang="en-US" dirty="0"/>
           </a:p>
@@ -2943,7 +2943,7 @@
             <a:fld id="{5586B75A-687E-405C-8A0B-8D00578BA2C3}" type="datetimeFigureOut">
               <a:rPr lang="en-US" smtClean="0"/>
               <a:pPr/>
-              <a:t>2/20/24</a:t>
+              <a:t>7/11/24</a:t>
             </a:fld>
             <a:endParaRPr lang="en-US" dirty="0"/>
           </a:p>
@@ -3218,7 +3218,7 @@
             <a:fld id="{5586B75A-687E-405C-8A0B-8D00578BA2C3}" type="datetimeFigureOut">
               <a:rPr lang="en-US" smtClean="0"/>
               <a:pPr/>
-              <a:t>2/20/24</a:t>
+              <a:t>7/11/24</a:t>
             </a:fld>
             <a:endParaRPr lang="en-US" dirty="0"/>
           </a:p>
@@ -3517,7 +3517,7 @@
             <a:fld id="{5586B75A-687E-405C-8A0B-8D00578BA2C3}" type="datetimeFigureOut">
               <a:rPr lang="en-US" smtClean="0"/>
               <a:pPr/>
-              <a:t>2/20/24</a:t>
+              <a:t>7/11/24</a:t>
             </a:fld>
             <a:endParaRPr lang="en-US" dirty="0"/>
           </a:p>
@@ -11366,13 +11366,16 @@
             <a:pPr lvl="1"/>
             <a:r>
               <a:rPr lang="en-US" sz="2600" dirty="0"/>
-              <a:t>If the animal is already in the list print “Repeat! You lose!”. Otherwise, ask for </a:t>
+              <a:t>If the animal is already in the list print “Repeat! You </a:t>
             </a:r>
             <a:r>
               <a:rPr lang="en-US" sz="2600"/>
-              <a:t>another animal</a:t>
-            </a:r>
-            <a:endParaRPr lang="en-US" sz="2600" dirty="0"/>
+              <a:t>lose!” and end the game. </a:t>
+            </a:r>
+            <a:r>
+              <a:rPr lang="en-US" sz="2600" dirty="0"/>
+              <a:t>Otherwise, ask for another animal</a:t>
+            </a:r>
           </a:p>
         </p:txBody>
       </p:sp>
